--- a/mod-07-o365/mod-07-o365.pptx
+++ b/mod-07-o365/mod-07-o365.pptx
@@ -5,10 +5,10 @@
     <p:sldMasterId id="2147484229" r:id="rId4"/>
   </p:sldMasterIdLst>
   <p:notesMasterIdLst>
-    <p:notesMasterId r:id="rId50"/>
+    <p:notesMasterId r:id="rId49"/>
   </p:notesMasterIdLst>
   <p:handoutMasterIdLst>
-    <p:handoutMasterId r:id="rId51"/>
+    <p:handoutMasterId r:id="rId50"/>
   </p:handoutMasterIdLst>
   <p:sldIdLst>
     <p:sldId id="1457" r:id="rId5"/>
@@ -53,9 +53,8 @@
     <p:sldId id="1509" r:id="rId44"/>
     <p:sldId id="1510" r:id="rId45"/>
     <p:sldId id="1511" r:id="rId46"/>
-    <p:sldId id="1508" r:id="rId47"/>
-    <p:sldId id="1461" r:id="rId48"/>
-    <p:sldId id="1458" r:id="rId49"/>
+    <p:sldId id="1461" r:id="rId47"/>
+    <p:sldId id="1458" r:id="rId48"/>
   </p:sldIdLst>
   <p:sldSz cx="12436475" cy="6994525"/>
   <p:notesSz cx="6858000" cy="9144000"/>
@@ -225,7 +224,6 @@
             <p14:sldId id="1509"/>
             <p14:sldId id="1510"/>
             <p14:sldId id="1511"/>
-            <p14:sldId id="1508"/>
           </p14:sldIdLst>
         </p14:section>
         <p14:section name="outro" id="{94372C01-023E-8440-BAFB-3B6FFC8B5CAC}">
@@ -362,7 +360,7 @@
               <a:rPr lang="en-US" smtClean="0">
                 <a:latin typeface="Segoe UI" pitchFamily="34" charset="0"/>
               </a:rPr>
-              <a:t>3/15/2016 2:27 PM</a:t>
+              <a:t>3/17/2016 4:24 PM</a:t>
             </a:fld>
             <a:endParaRPr lang="en-US" dirty="0">
               <a:latin typeface="Segoe UI" pitchFamily="34" charset="0"/>
@@ -659,7 +657,7 @@
           <a:p>
             <a:fld id="{38EEC551-8CDA-4EB6-89BB-2A86C9F091C8}" type="datetime8">
               <a:rPr lang="en-US" smtClean="0"/>
-              <a:t>3/15/2016 2:27 PM</a:t>
+              <a:t>3/17/2016 4:24 PM</a:t>
             </a:fld>
             <a:endParaRPr lang="en-US" dirty="0"/>
           </a:p>
@@ -1027,7 +1025,7 @@
           <a:p>
             <a:fld id="{90EC29EE-A8AD-4CE0-9C0B-116E0D4D7533}" type="datetime8">
               <a:rPr lang="en-US" smtClean="0"/>
-              <a:t>3/15/2016 2:27 PM</a:t>
+              <a:t>3/17/2016 4:24 PM</a:t>
             </a:fld>
             <a:endParaRPr lang="en-US" dirty="0"/>
           </a:p>
@@ -1192,7 +1190,7 @@
           <a:p>
             <a:fld id="{90EC29EE-A8AD-4CE0-9C0B-116E0D4D7533}" type="datetime8">
               <a:rPr lang="en-US" smtClean="0"/>
-              <a:t>3/15/2016 2:27 PM</a:t>
+              <a:t>3/17/2016 4:24 PM</a:t>
             </a:fld>
             <a:endParaRPr lang="en-US" dirty="0"/>
           </a:p>
@@ -1216,7 +1214,7 @@
             <a:fld id="{B4008EB6-D09E-4580-8CD6-DDB14511944F}" type="slidenum">
               <a:rPr lang="en-US" smtClean="0"/>
               <a:pPr/>
-              <a:t>44</a:t>
+              <a:t>43</a:t>
             </a:fld>
             <a:endParaRPr lang="en-US" dirty="0"/>
           </a:p>
@@ -1342,7 +1340,7 @@
                   <a:prstClr val="black"/>
                 </a:solidFill>
               </a:rPr>
-              <a:t>3/15/2016 2:27 PM</a:t>
+              <a:t>3/17/2016 4:24 PM</a:t>
             </a:fld>
             <a:endParaRPr lang="en-US" dirty="0">
               <a:solidFill>
@@ -1374,7 +1372,7 @@
                 </a:solidFill>
               </a:rPr>
               <a:pPr/>
-              <a:t>45</a:t>
+              <a:t>44</a:t>
             </a:fld>
             <a:endParaRPr lang="en-US" dirty="0">
               <a:solidFill>
@@ -1577,7 +1575,7 @@
           <a:p>
             <a:fld id="{38EEC551-8CDA-4EB6-89BB-2A86C9F091C8}" type="datetime8">
               <a:rPr lang="en-US" smtClean="0"/>
-              <a:t>3/15/2016 2:27 PM</a:t>
+              <a:t>3/17/2016 4:24 PM</a:t>
             </a:fld>
             <a:endParaRPr lang="en-US" dirty="0"/>
           </a:p>
@@ -1762,7 +1760,7 @@
           <a:p>
             <a:fld id="{38EEC551-8CDA-4EB6-89BB-2A86C9F091C8}" type="datetime8">
               <a:rPr lang="en-US" smtClean="0"/>
-              <a:t>3/15/2016 2:27 PM</a:t>
+              <a:t>3/17/2016 4:24 PM</a:t>
             </a:fld>
             <a:endParaRPr lang="en-US" dirty="0"/>
           </a:p>
@@ -1947,7 +1945,7 @@
           <a:p>
             <a:fld id="{38EEC551-8CDA-4EB6-89BB-2A86C9F091C8}" type="datetime8">
               <a:rPr lang="en-US" smtClean="0"/>
-              <a:t>3/15/2016 2:27 PM</a:t>
+              <a:t>3/17/2016 4:24 PM</a:t>
             </a:fld>
             <a:endParaRPr lang="en-US" dirty="0"/>
           </a:p>
@@ -2132,7 +2130,7 @@
           <a:p>
             <a:fld id="{38EEC551-8CDA-4EB6-89BB-2A86C9F091C8}" type="datetime8">
               <a:rPr lang="en-US" smtClean="0"/>
-              <a:t>3/15/2016 2:27 PM</a:t>
+              <a:t>3/17/2016 4:24 PM</a:t>
             </a:fld>
             <a:endParaRPr lang="en-US" dirty="0"/>
           </a:p>
@@ -2317,7 +2315,7 @@
           <a:p>
             <a:fld id="{38EEC551-8CDA-4EB6-89BB-2A86C9F091C8}" type="datetime8">
               <a:rPr lang="en-US" smtClean="0"/>
-              <a:t>3/15/2016 2:27 PM</a:t>
+              <a:t>3/17/2016 4:24 PM</a:t>
             </a:fld>
             <a:endParaRPr lang="en-US" dirty="0"/>
           </a:p>
@@ -2502,7 +2500,7 @@
           <a:p>
             <a:fld id="{38EEC551-8CDA-4EB6-89BB-2A86C9F091C8}" type="datetime8">
               <a:rPr lang="en-US" smtClean="0"/>
-              <a:t>3/15/2016 2:27 PM</a:t>
+              <a:t>3/17/2016 4:24 PM</a:t>
             </a:fld>
             <a:endParaRPr lang="en-US" dirty="0"/>
           </a:p>
@@ -2687,7 +2685,7 @@
           <a:p>
             <a:fld id="{38EEC551-8CDA-4EB6-89BB-2A86C9F091C8}" type="datetime8">
               <a:rPr lang="en-US" smtClean="0"/>
-              <a:t>3/15/2016 2:27 PM</a:t>
+              <a:t>3/17/2016 4:24 PM</a:t>
             </a:fld>
             <a:endParaRPr lang="en-US" dirty="0"/>
           </a:p>
@@ -2872,7 +2870,7 @@
           <a:p>
             <a:fld id="{38EEC551-8CDA-4EB6-89BB-2A86C9F091C8}" type="datetime8">
               <a:rPr lang="en-US" smtClean="0"/>
-              <a:t>3/15/2016 2:27 PM</a:t>
+              <a:t>3/17/2016 4:24 PM</a:t>
             </a:fld>
             <a:endParaRPr lang="en-US" dirty="0"/>
           </a:p>
@@ -11997,7 +11995,15 @@
             </a:r>
             <a:r>
               <a:rPr lang="en-US" sz="2400" dirty="0" smtClean="0"/>
-              <a:t>                                               .Update(subscription);            </a:t>
+              <a:t>                                               </a:t>
+            </a:r>
+            <a:r>
+              <a:rPr lang="en-US" sz="2400" dirty="0" smtClean="0"/>
+              <a:t>.Patch(subscription</a:t>
+            </a:r>
+            <a:r>
+              <a:rPr lang="en-US" sz="2400" dirty="0" smtClean="0"/>
+              <a:t>);            </a:t>
             </a:r>
             <a:endParaRPr lang="en-US" sz="2400" dirty="0"/>
           </a:p>
@@ -13006,7 +13012,7 @@
         <p:spPr>
           <a:xfrm>
             <a:off x="274639" y="1211262"/>
-            <a:ext cx="12161836" cy="5336846"/>
+            <a:ext cx="12161836" cy="5878532"/>
           </a:xfrm>
         </p:spPr>
         <p:txBody>
@@ -13062,21 +13068,115 @@
               <a:rPr lang="en-US" sz="2000" dirty="0" smtClean="0"/>
               <a:t> order = new Order { </a:t>
             </a:r>
+            <a:endParaRPr lang="en-US" sz="2000" dirty="0" smtClean="0"/>
+          </a:p>
+          <a:p>
+            <a:r>
+              <a:rPr lang="en-US" sz="2000" dirty="0"/>
+              <a:t> </a:t>
+            </a:r>
+            <a:r>
+              <a:rPr lang="en-US" sz="2000" dirty="0" smtClean="0"/>
+              <a:t> </a:t>
+            </a:r>
             <a:r>
               <a:rPr lang="en-US" sz="2000" dirty="0" err="1" smtClean="0"/>
               <a:t>ReferenceCustomerId</a:t>
             </a:r>
             <a:r>
+              <a:rPr lang="en-US" sz="2000" dirty="0" smtClean="0"/>
+              <a:t> </a:t>
+            </a:r>
+            <a:r>
+              <a:rPr lang="en-US" sz="2000" dirty="0" smtClean="0"/>
+              <a:t>= </a:t>
+            </a:r>
+            <a:r>
+              <a:rPr lang="en-US" sz="2000" dirty="0" err="1" smtClean="0"/>
+              <a:t>customerId</a:t>
+            </a:r>
+            <a:r>
+              <a:rPr lang="en-US" sz="2000" dirty="0" smtClean="0"/>
+              <a:t>,</a:t>
+            </a:r>
+          </a:p>
+          <a:p>
+            <a:r>
               <a:rPr lang="en-US" sz="2000" dirty="0"/>
               <a:t> </a:t>
             </a:r>
             <a:r>
               <a:rPr lang="en-US" sz="2000" dirty="0" smtClean="0"/>
+              <a:t> </a:t>
+            </a:r>
+            <a:r>
+              <a:rPr lang="en-US" sz="2000" dirty="0" err="1" smtClean="0"/>
+              <a:t>LineItems</a:t>
+            </a:r>
+            <a:r>
+              <a:rPr lang="en-US" sz="2000" dirty="0" smtClean="0"/>
+              <a:t> = new List&lt;</a:t>
+            </a:r>
+            <a:r>
+              <a:rPr lang="en-US" sz="2000" dirty="0" err="1" smtClean="0"/>
+              <a:t>OrderLineItem</a:t>
+            </a:r>
+            <a:r>
+              <a:rPr lang="en-US" sz="2000" dirty="0" smtClean="0"/>
+              <a:t>&gt;() { </a:t>
+            </a:r>
+            <a:endParaRPr lang="en-US" sz="2000" dirty="0" smtClean="0"/>
+          </a:p>
+          <a:p>
+            <a:r>
+              <a:rPr lang="en-US" sz="2000" dirty="0"/>
+              <a:t> </a:t>
+            </a:r>
+            <a:r>
+              <a:rPr lang="en-US" sz="2000" dirty="0" smtClean="0"/>
+              <a:t>     </a:t>
+            </a:r>
+            <a:r>
+              <a:rPr lang="en-US" sz="2000" dirty="0" smtClean="0"/>
+              <a:t>new </a:t>
+            </a:r>
+            <a:r>
+              <a:rPr lang="en-US" sz="2000" dirty="0" err="1" smtClean="0"/>
+              <a:t>OrderLineItem</a:t>
+            </a:r>
+            <a:r>
+              <a:rPr lang="en-US" sz="2000" dirty="0" smtClean="0"/>
+              <a:t>() {</a:t>
+            </a:r>
+          </a:p>
+          <a:p>
+            <a:r>
+              <a:rPr lang="en-US" sz="2000" dirty="0"/>
+              <a:t> </a:t>
+            </a:r>
+            <a:r>
+              <a:rPr lang="en-US" sz="2000" dirty="0" smtClean="0"/>
+              <a:t>     </a:t>
+            </a:r>
+            <a:r>
+              <a:rPr lang="en-US" sz="2000" dirty="0" smtClean="0"/>
+              <a:t>  </a:t>
+            </a:r>
+            <a:r>
+              <a:rPr lang="en-US" sz="2000" dirty="0" err="1" smtClean="0"/>
+              <a:t>OfferId</a:t>
+            </a:r>
+            <a:r>
+              <a:rPr lang="en-US" sz="2000" dirty="0" smtClean="0"/>
+              <a:t> </a:t>
+            </a:r>
+            <a:r>
+              <a:rPr lang="en-US" sz="2000" dirty="0" smtClean="0"/>
               <a:t>= </a:t>
             </a:r>
             <a:r>
               <a:rPr lang="en-US" sz="2000" dirty="0" err="1" smtClean="0"/>
-              <a:t>customerId</a:t>
+              <a:t>offerId</a:t>
             </a:r>
             <a:r>
               <a:rPr lang="en-US" sz="2000" dirty="0" smtClean="0"/>
@@ -13090,37 +13190,7 @@
             </a:r>
             <a:r>
               <a:rPr lang="en-US" sz="2000" dirty="0" smtClean="0"/>
-              <a:t> </a:t>
-            </a:r>
-            <a:r>
-              <a:rPr lang="en-US" sz="2000" dirty="0" err="1" smtClean="0"/>
-              <a:t>LineItems</a:t>
-            </a:r>
-            <a:r>
-              <a:rPr lang="en-US" sz="2000" dirty="0" smtClean="0"/>
-              <a:t> = new List&lt;</a:t>
-            </a:r>
-            <a:r>
-              <a:rPr lang="en-US" sz="2000" dirty="0" err="1" smtClean="0"/>
-              <a:t>OrderLineItem</a:t>
-            </a:r>
-            <a:r>
-              <a:rPr lang="en-US" sz="2000" dirty="0" smtClean="0"/>
-              <a:t>&gt;() { new </a:t>
-            </a:r>
-            <a:r>
-              <a:rPr lang="en-US" sz="2000" dirty="0" err="1" smtClean="0"/>
-              <a:t>OrderLineItem</a:t>
-            </a:r>
-            <a:r>
-              <a:rPr lang="en-US" sz="2000" dirty="0" smtClean="0"/>
-              <a:t>() {</a:t>
-            </a:r>
-          </a:p>
-          <a:p>
-            <a:r>
-              <a:rPr lang="en-US" sz="2000" dirty="0"/>
-              <a:t> </a:t>
+              <a:t>  </a:t>
             </a:r>
             <a:r>
               <a:rPr lang="en-US" sz="2000" dirty="0" smtClean="0"/>
@@ -13128,58 +13198,45 @@
             </a:r>
             <a:r>
               <a:rPr lang="en-US" sz="2000" dirty="0" err="1" smtClean="0"/>
-              <a:t>OfferId</a:t>
+              <a:t>FriendlyName</a:t>
             </a:r>
             <a:r>
               <a:rPr lang="en-US" sz="2000" dirty="0" smtClean="0"/>
-              <a:t> = </a:t>
-            </a:r>
-            <a:r>
-              <a:rPr lang="en-US" sz="2000" dirty="0" err="1" smtClean="0"/>
-              <a:t>offerId</a:t>
+              <a:t> </a:t>
+            </a:r>
+            <a:r>
+              <a:rPr lang="en-US" sz="2000" dirty="0"/>
+              <a:t>= "</a:t>
             </a:r>
             <a:r>
               <a:rPr lang="en-US" sz="2000" dirty="0" smtClean="0"/>
-              <a:t>,</a:t>
-            </a:r>
-          </a:p>
-          <a:p>
-            <a:r>
-              <a:rPr lang="en-US" sz="2000" dirty="0"/>
-              <a:t> </a:t>
-            </a:r>
+              <a:t>Project Foo O365 Dev Tenant",</a:t>
+            </a:r>
+          </a:p>
+          <a:p>
             <a:r>
               <a:rPr lang="en-US" sz="2000" dirty="0" smtClean="0"/>
               <a:t>     </a:t>
             </a:r>
             <a:r>
-              <a:rPr lang="en-US" sz="2000" dirty="0" err="1" smtClean="0"/>
-              <a:t>FriendlyName</a:t>
-            </a:r>
-            <a:r>
               <a:rPr lang="en-US" sz="2000" dirty="0" smtClean="0"/>
-              <a:t> </a:t>
-            </a:r>
-            <a:r>
-              <a:rPr lang="en-US" sz="2000" dirty="0"/>
-              <a:t>= "</a:t>
+              <a:t>   </a:t>
             </a:r>
             <a:r>
               <a:rPr lang="en-US" sz="2000" dirty="0" smtClean="0"/>
-              <a:t>Project Foo O365 Dev Tenant",</a:t>
+              <a:t>Quantity = 15</a:t>
             </a:r>
           </a:p>
           <a:p>
             <a:r>
               <a:rPr lang="en-US" sz="2000" dirty="0" smtClean="0"/>
-              <a:t>      Quantity = 15</a:t>
-            </a:r>
-          </a:p>
-          <a:p>
+              <a:t>    </a:t>
+            </a:r>
             <a:r>
               <a:rPr lang="en-US" sz="2000" dirty="0" smtClean="0"/>
-              <a:t>    }</a:t>
-            </a:r>
+              <a:t>  }</a:t>
+            </a:r>
+            <a:endParaRPr lang="en-US" sz="2000" dirty="0" smtClean="0"/>
           </a:p>
           <a:p>
             <a:r>
@@ -15042,94 +15099,6 @@
       </p:grpSpPr>
       <p:sp>
         <p:nvSpPr>
-          <p:cNvPr id="4" name="Title 3"/>
-          <p:cNvSpPr>
-            <a:spLocks noGrp="1"/>
-          </p:cNvSpPr>
-          <p:nvPr>
-            <p:ph type="title"/>
-          </p:nvPr>
-        </p:nvSpPr>
-        <p:spPr/>
-        <p:txBody>
-          <a:bodyPr/>
-          <a:lstStyle/>
-          <a:p>
-            <a:r>
-              <a:rPr lang="en-US" dirty="0" smtClean="0"/>
-              <a:t>DEMO</a:t>
-            </a:r>
-            <a:endParaRPr lang="en-US" dirty="0"/>
-          </a:p>
-        </p:txBody>
-      </p:sp>
-      <p:sp>
-        <p:nvSpPr>
-          <p:cNvPr id="5" name="Text Placeholder 4"/>
-          <p:cNvSpPr>
-            <a:spLocks noGrp="1"/>
-          </p:cNvSpPr>
-          <p:nvPr>
-            <p:ph type="body" sz="quarter" idx="12"/>
-          </p:nvPr>
-        </p:nvSpPr>
-        <p:spPr/>
-        <p:txBody>
-          <a:bodyPr/>
-          <a:lstStyle/>
-          <a:p>
-            <a:r>
-              <a:rPr lang="en-US" dirty="0" smtClean="0"/>
-              <a:t>Common Issues</a:t>
-            </a:r>
-            <a:endParaRPr lang="en-US" dirty="0"/>
-          </a:p>
-        </p:txBody>
-      </p:sp>
-    </p:spTree>
-    <p:extLst>
-      <p:ext uri="{BB962C8B-B14F-4D97-AF65-F5344CB8AC3E}">
-        <p14:creationId xmlns:p14="http://schemas.microsoft.com/office/powerpoint/2010/main" val="1805663069"/>
-      </p:ext>
-    </p:extLst>
-  </p:cSld>
-  <p:clrMapOvr>
-    <a:masterClrMapping/>
-  </p:clrMapOvr>
-  <mc:AlternateContent xmlns:mc="http://schemas.openxmlformats.org/markup-compatibility/2006" xmlns:p14="http://schemas.microsoft.com/office/powerpoint/2010/main">
-    <mc:Choice Requires="p14">
-      <p:transition spd="slow" p14:dur="3400">
-        <p14:reveal/>
-      </p:transition>
-    </mc:Choice>
-    <mc:Fallback xmlns="">
-      <p:transition spd="slow">
-        <p:fade/>
-      </p:transition>
-    </mc:Fallback>
-  </mc:AlternateContent>
-</p:sld>
-</file>
-
-<file path=ppt/slides/slide44.xml><?xml version="1.0" encoding="utf-8"?>
-<p:sld xmlns:a="http://schemas.openxmlformats.org/drawingml/2006/main" xmlns:r="http://schemas.openxmlformats.org/officeDocument/2006/relationships" xmlns:p="http://schemas.openxmlformats.org/presentationml/2006/main">
-  <p:cSld>
-    <p:spTree>
-      <p:nvGrpSpPr>
-        <p:cNvPr id="1" name=""/>
-        <p:cNvGrpSpPr/>
-        <p:nvPr/>
-      </p:nvGrpSpPr>
-      <p:grpSpPr>
-        <a:xfrm>
-          <a:off x="0" y="0"/>
-          <a:ext cx="0" cy="0"/>
-          <a:chOff x="0" y="0"/>
-          <a:chExt cx="0" cy="0"/>
-        </a:xfrm>
-      </p:grpSpPr>
-      <p:sp>
-        <p:nvSpPr>
           <p:cNvPr id="6" name="Text Placeholder 5"/>
           <p:cNvSpPr>
             <a:spLocks noGrp="1"/>
@@ -15233,7 +15202,7 @@
 </p:sld>
 </file>
 
-<file path=ppt/slides/slide45.xml><?xml version="1.0" encoding="utf-8"?>
+<file path=ppt/slides/slide44.xml><?xml version="1.0" encoding="utf-8"?>
 <p:sld xmlns:a="http://schemas.openxmlformats.org/drawingml/2006/main" xmlns:r="http://schemas.openxmlformats.org/officeDocument/2006/relationships" xmlns:p="http://schemas.openxmlformats.org/presentationml/2006/main">
   <p:cSld>
     <p:spTree>
@@ -17136,6 +17105,15 @@
 </file>
 
 <file path=customXml/item1.xml><?xml version="1.0" encoding="utf-8"?>
+<?mso-contentType ?>
+<FormTemplates xmlns="http://schemas.microsoft.com/sharepoint/v3/contenttype/forms">
+  <Display>DocumentLibraryForm</Display>
+  <Edit>DocumentLibraryForm</Edit>
+  <New>DocumentLibraryForm</New>
+</FormTemplates>
+</file>
+
+<file path=customXml/item2.xml><?xml version="1.0" encoding="utf-8"?>
 <p:properties xmlns:p="http://schemas.microsoft.com/office/2006/metadata/properties" xmlns:xsi="http://www.w3.org/2001/XMLSchema-instance" xmlns:pc="http://schemas.microsoft.com/office/infopath/2007/PartnerControls">
   <documentManagement>
     <h9a868b2ee15488883f623ae5237ecae xmlns="12a172fe-0250-434a-85cf-03b10810c5e5">
@@ -17210,15 +17188,6 @@
     </eb9cf3a3af7b473faa5c9c98148a90a4>
   </documentManagement>
 </p:properties>
-</file>
-
-<file path=customXml/item2.xml><?xml version="1.0" encoding="utf-8"?>
-<?mso-contentType ?>
-<FormTemplates xmlns="http://schemas.microsoft.com/sharepoint/v3/contenttype/forms">
-  <Display>DocumentLibraryForm</Display>
-  <Edit>DocumentLibraryForm</Edit>
-  <New>DocumentLibraryForm</New>
-</FormTemplates>
 </file>
 
 <file path=customXml/item3.xml><?xml version="1.0" encoding="utf-8"?>
@@ -17532,6 +17501,14 @@
 </file>
 
 <file path=customXml/itemProps1.xml><?xml version="1.0" encoding="utf-8"?>
+<ds:datastoreItem xmlns:ds="http://schemas.openxmlformats.org/officeDocument/2006/customXml" ds:itemID="{758FDAC0-319D-4A54-8D8E-1D42CB1F8004}">
+  <ds:schemaRefs>
+    <ds:schemaRef ds:uri="http://schemas.microsoft.com/sharepoint/v3/contenttype/forms"/>
+  </ds:schemaRefs>
+</ds:datastoreItem>
+</file>
+
+<file path=customXml/itemProps2.xml><?xml version="1.0" encoding="utf-8"?>
 <ds:datastoreItem xmlns:ds="http://schemas.openxmlformats.org/officeDocument/2006/customXml" ds:itemID="{F990F116-B58F-4255-B05B-DA3808E0E5C6}">
   <ds:schemaRefs>
     <ds:schemaRef ds:uri="http://schemas.microsoft.com/office/2006/metadata/properties"/>
@@ -17539,14 +17516,6 @@
     <ds:schemaRef ds:uri="12a172fe-0250-434a-85cf-03b10810c5e5"/>
     <ds:schemaRef ds:uri="http://schemas.microsoft.com/sharepoint/v3"/>
     <ds:schemaRef ds:uri="230e9df3-be65-4c73-a93b-d1236ebd677e"/>
-  </ds:schemaRefs>
-</ds:datastoreItem>
-</file>
-
-<file path=customXml/itemProps2.xml><?xml version="1.0" encoding="utf-8"?>
-<ds:datastoreItem xmlns:ds="http://schemas.openxmlformats.org/officeDocument/2006/customXml" ds:itemID="{758FDAC0-319D-4A54-8D8E-1D42CB1F8004}">
-  <ds:schemaRefs>
-    <ds:schemaRef ds:uri="http://schemas.microsoft.com/sharepoint/v3/contenttype/forms"/>
   </ds:schemaRefs>
 </ds:datastoreItem>
 </file>
